--- a/plots/plots.pptx
+++ b/plots/plots.pptx
@@ -6,6 +6,7 @@
   </p:sldMasterIdLst>
   <p:sldIdLst>
     <p:sldId id="256" r:id="rId2"/>
+    <p:sldId id="257" r:id="rId3"/>
   </p:sldIdLst>
   <p:sldSz cx="12192000" cy="6858000"/>
   <p:notesSz cx="6858000" cy="9144000"/>
@@ -104,6 +105,11 @@
       </a:defRPr>
     </a:lvl9pPr>
   </p:defaultTextStyle>
+  <p:extLst>
+    <p:ext uri="{EFAFB233-063F-42B5-8137-9DF3F51BA10A}">
+      <p15:sldGuideLst xmlns:p15="http://schemas.microsoft.com/office/powerpoint/2012/main"/>
+    </p:ext>
+  </p:extLst>
 </p:presentation>
 </file>
 
@@ -254,7 +260,7 @@
           <a:p>
             <a:fld id="{09830F1D-CB85-4691-B0B7-9B8BF8DCD1C8}" type="datetimeFigureOut">
               <a:rPr lang="en-US" smtClean="0"/>
-              <a:t>11/4/2020</a:t>
+              <a:t>2/25/2021</a:t>
             </a:fld>
             <a:endParaRPr lang="en-US"/>
           </a:p>
@@ -452,7 +458,7 @@
           <a:p>
             <a:fld id="{09830F1D-CB85-4691-B0B7-9B8BF8DCD1C8}" type="datetimeFigureOut">
               <a:rPr lang="en-US" smtClean="0"/>
-              <a:t>11/4/2020</a:t>
+              <a:t>2/25/2021</a:t>
             </a:fld>
             <a:endParaRPr lang="en-US"/>
           </a:p>
@@ -660,7 +666,7 @@
           <a:p>
             <a:fld id="{09830F1D-CB85-4691-B0B7-9B8BF8DCD1C8}" type="datetimeFigureOut">
               <a:rPr lang="en-US" smtClean="0"/>
-              <a:t>11/4/2020</a:t>
+              <a:t>2/25/2021</a:t>
             </a:fld>
             <a:endParaRPr lang="en-US"/>
           </a:p>
@@ -858,7 +864,7 @@
           <a:p>
             <a:fld id="{09830F1D-CB85-4691-B0B7-9B8BF8DCD1C8}" type="datetimeFigureOut">
               <a:rPr lang="en-US" smtClean="0"/>
-              <a:t>11/4/2020</a:t>
+              <a:t>2/25/2021</a:t>
             </a:fld>
             <a:endParaRPr lang="en-US"/>
           </a:p>
@@ -1133,7 +1139,7 @@
           <a:p>
             <a:fld id="{09830F1D-CB85-4691-B0B7-9B8BF8DCD1C8}" type="datetimeFigureOut">
               <a:rPr lang="en-US" smtClean="0"/>
-              <a:t>11/4/2020</a:t>
+              <a:t>2/25/2021</a:t>
             </a:fld>
             <a:endParaRPr lang="en-US"/>
           </a:p>
@@ -1398,7 +1404,7 @@
           <a:p>
             <a:fld id="{09830F1D-CB85-4691-B0B7-9B8BF8DCD1C8}" type="datetimeFigureOut">
               <a:rPr lang="en-US" smtClean="0"/>
-              <a:t>11/4/2020</a:t>
+              <a:t>2/25/2021</a:t>
             </a:fld>
             <a:endParaRPr lang="en-US"/>
           </a:p>
@@ -1810,7 +1816,7 @@
           <a:p>
             <a:fld id="{09830F1D-CB85-4691-B0B7-9B8BF8DCD1C8}" type="datetimeFigureOut">
               <a:rPr lang="en-US" smtClean="0"/>
-              <a:t>11/4/2020</a:t>
+              <a:t>2/25/2021</a:t>
             </a:fld>
             <a:endParaRPr lang="en-US"/>
           </a:p>
@@ -1951,7 +1957,7 @@
           <a:p>
             <a:fld id="{09830F1D-CB85-4691-B0B7-9B8BF8DCD1C8}" type="datetimeFigureOut">
               <a:rPr lang="en-US" smtClean="0"/>
-              <a:t>11/4/2020</a:t>
+              <a:t>2/25/2021</a:t>
             </a:fld>
             <a:endParaRPr lang="en-US"/>
           </a:p>
@@ -2064,7 +2070,7 @@
           <a:p>
             <a:fld id="{09830F1D-CB85-4691-B0B7-9B8BF8DCD1C8}" type="datetimeFigureOut">
               <a:rPr lang="en-US" smtClean="0"/>
-              <a:t>11/4/2020</a:t>
+              <a:t>2/25/2021</a:t>
             </a:fld>
             <a:endParaRPr lang="en-US"/>
           </a:p>
@@ -2375,7 +2381,7 @@
           <a:p>
             <a:fld id="{09830F1D-CB85-4691-B0B7-9B8BF8DCD1C8}" type="datetimeFigureOut">
               <a:rPr lang="en-US" smtClean="0"/>
-              <a:t>11/4/2020</a:t>
+              <a:t>2/25/2021</a:t>
             </a:fld>
             <a:endParaRPr lang="en-US"/>
           </a:p>
@@ -2663,7 +2669,7 @@
           <a:p>
             <a:fld id="{09830F1D-CB85-4691-B0B7-9B8BF8DCD1C8}" type="datetimeFigureOut">
               <a:rPr lang="en-US" smtClean="0"/>
-              <a:t>11/4/2020</a:t>
+              <a:t>2/25/2021</a:t>
             </a:fld>
             <a:endParaRPr lang="en-US"/>
           </a:p>
@@ -2904,7 +2910,7 @@
           <a:p>
             <a:fld id="{09830F1D-CB85-4691-B0B7-9B8BF8DCD1C8}" type="datetimeFigureOut">
               <a:rPr lang="en-US" smtClean="0"/>
-              <a:t>11/4/2020</a:t>
+              <a:t>2/25/2021</a:t>
             </a:fld>
             <a:endParaRPr lang="en-US"/>
           </a:p>
@@ -6202,7 +6208,7 @@
           <p:spPr>
             <a:xfrm>
               <a:off x="388011" y="1784359"/>
-              <a:ext cx="421910" cy="584775"/>
+              <a:ext cx="381836" cy="584775"/>
             </a:xfrm>
             <a:prstGeom prst="rect">
               <a:avLst/>
@@ -6217,7 +6223,7 @@
             <a:p>
               <a:r>
                 <a:rPr lang="en-US" sz="3200" dirty="0"/>
-                <a:t>A</a:t>
+                <a:t>a</a:t>
               </a:r>
             </a:p>
           </p:txBody>
@@ -6237,7 +6243,7 @@
           <p:spPr>
             <a:xfrm>
               <a:off x="6722006" y="204710"/>
-              <a:ext cx="421910" cy="584775"/>
+              <a:ext cx="401072" cy="584775"/>
             </a:xfrm>
             <a:prstGeom prst="rect">
               <a:avLst/>
@@ -6252,7 +6258,7 @@
             <a:p>
               <a:r>
                 <a:rPr lang="en-US" sz="3200" dirty="0"/>
-                <a:t>B</a:t>
+                <a:t>b</a:t>
               </a:r>
             </a:p>
           </p:txBody>
@@ -6272,7 +6278,7 @@
           <p:spPr>
             <a:xfrm>
               <a:off x="6840124" y="3621839"/>
-              <a:ext cx="404278" cy="584775"/>
+              <a:ext cx="357790" cy="584775"/>
             </a:xfrm>
             <a:prstGeom prst="rect">
               <a:avLst/>
@@ -6287,7 +6293,7 @@
             <a:p>
               <a:r>
                 <a:rPr lang="en-US" sz="3200" dirty="0"/>
-                <a:t>C</a:t>
+                <a:t>c</a:t>
               </a:r>
             </a:p>
           </p:txBody>
@@ -6402,6 +6408,360 @@
     <p:extLst>
       <p:ext uri="{BB962C8B-B14F-4D97-AF65-F5344CB8AC3E}">
         <p14:creationId xmlns:p14="http://schemas.microsoft.com/office/powerpoint/2010/main" val="2670760773"/>
+      </p:ext>
+    </p:extLst>
+  </p:cSld>
+  <p:clrMapOvr>
+    <a:masterClrMapping/>
+  </p:clrMapOvr>
+</p:sld>
+</file>
+
+<file path=ppt/slides/slide2.xml><?xml version="1.0" encoding="utf-8"?>
+<p:sld xmlns:a="http://schemas.openxmlformats.org/drawingml/2006/main" xmlns:r="http://schemas.openxmlformats.org/officeDocument/2006/relationships" xmlns:p="http://schemas.openxmlformats.org/presentationml/2006/main">
+  <p:cSld>
+    <p:spTree>
+      <p:nvGrpSpPr>
+        <p:cNvPr id="1" name=""/>
+        <p:cNvGrpSpPr/>
+        <p:nvPr/>
+      </p:nvGrpSpPr>
+      <p:grpSpPr>
+        <a:xfrm>
+          <a:off x="0" y="0"/>
+          <a:ext cx="0" cy="0"/>
+          <a:chOff x="0" y="0"/>
+          <a:chExt cx="0" cy="0"/>
+        </a:xfrm>
+      </p:grpSpPr>
+      <p:grpSp>
+        <p:nvGrpSpPr>
+          <p:cNvPr id="13" name="Group 12">
+            <a:extLst>
+              <a:ext uri="{FF2B5EF4-FFF2-40B4-BE49-F238E27FC236}">
+                <a16:creationId xmlns:a16="http://schemas.microsoft.com/office/drawing/2014/main" id="{87650712-F88D-4F5E-BEC2-2302773E53B6}"/>
+              </a:ext>
+            </a:extLst>
+          </p:cNvPr>
+          <p:cNvGrpSpPr/>
+          <p:nvPr/>
+        </p:nvGrpSpPr>
+        <p:grpSpPr>
+          <a:xfrm>
+            <a:off x="124450" y="1392759"/>
+            <a:ext cx="11943099" cy="4072481"/>
+            <a:chOff x="124450" y="1392759"/>
+            <a:chExt cx="11943099" cy="4072481"/>
+          </a:xfrm>
+        </p:grpSpPr>
+        <p:pic>
+          <p:nvPicPr>
+            <p:cNvPr id="5" name="Picture 4" descr="Chart&#10;&#10;Description automatically generated">
+              <a:extLst>
+                <a:ext uri="{FF2B5EF4-FFF2-40B4-BE49-F238E27FC236}">
+                  <a16:creationId xmlns:a16="http://schemas.microsoft.com/office/drawing/2014/main" id="{7B786A0F-F6C9-4B2A-AD25-0DEB043B63AA}"/>
+                </a:ext>
+              </a:extLst>
+            </p:cNvPr>
+            <p:cNvPicPr>
+              <a:picLocks noChangeAspect="1"/>
+            </p:cNvPicPr>
+            <p:nvPr/>
+          </p:nvPicPr>
+          <p:blipFill>
+            <a:blip r:embed="rId2">
+              <a:extLst>
+                <a:ext uri="{28A0092B-C50C-407E-A947-70E740481C1C}">
+                  <a14:useLocalDpi xmlns:a14="http://schemas.microsoft.com/office/drawing/2010/main" val="0"/>
+                </a:ext>
+              </a:extLst>
+            </a:blip>
+            <a:stretch>
+              <a:fillRect/>
+            </a:stretch>
+          </p:blipFill>
+          <p:spPr>
+            <a:xfrm>
+              <a:off x="124450" y="1392759"/>
+              <a:ext cx="11943099" cy="4072481"/>
+            </a:xfrm>
+            <a:prstGeom prst="rect">
+              <a:avLst/>
+            </a:prstGeom>
+          </p:spPr>
+        </p:pic>
+        <p:sp>
+          <p:nvSpPr>
+            <p:cNvPr id="7" name="Rectangle 6">
+              <a:extLst>
+                <a:ext uri="{FF2B5EF4-FFF2-40B4-BE49-F238E27FC236}">
+                  <a16:creationId xmlns:a16="http://schemas.microsoft.com/office/drawing/2014/main" id="{BD47D75C-1256-4F6E-8500-A99F42D5FA15}"/>
+                </a:ext>
+              </a:extLst>
+            </p:cNvPr>
+            <p:cNvSpPr/>
+            <p:nvPr/>
+          </p:nvSpPr>
+          <p:spPr>
+            <a:xfrm>
+              <a:off x="401053" y="1700463"/>
+              <a:ext cx="296779" cy="352926"/>
+            </a:xfrm>
+            <a:prstGeom prst="rect">
+              <a:avLst/>
+            </a:prstGeom>
+            <a:solidFill>
+              <a:schemeClr val="bg1"/>
+            </a:solidFill>
+            <a:ln>
+              <a:solidFill>
+                <a:schemeClr val="bg1"/>
+              </a:solidFill>
+            </a:ln>
+          </p:spPr>
+          <p:style>
+            <a:lnRef idx="2">
+              <a:schemeClr val="accent1">
+                <a:shade val="50000"/>
+              </a:schemeClr>
+            </a:lnRef>
+            <a:fillRef idx="1">
+              <a:schemeClr val="accent1"/>
+            </a:fillRef>
+            <a:effectRef idx="0">
+              <a:schemeClr val="accent1"/>
+            </a:effectRef>
+            <a:fontRef idx="minor">
+              <a:schemeClr val="lt1"/>
+            </a:fontRef>
+          </p:style>
+          <p:txBody>
+            <a:bodyPr rtlCol="0" anchor="ctr"/>
+            <a:lstStyle/>
+            <a:p>
+              <a:pPr algn="ctr"/>
+              <a:endParaRPr lang="en-US"/>
+            </a:p>
+          </p:txBody>
+        </p:sp>
+        <p:sp>
+          <p:nvSpPr>
+            <p:cNvPr id="8" name="Rectangle 7">
+              <a:extLst>
+                <a:ext uri="{FF2B5EF4-FFF2-40B4-BE49-F238E27FC236}">
+                  <a16:creationId xmlns:a16="http://schemas.microsoft.com/office/drawing/2014/main" id="{08D88F0A-476F-49EA-AC08-25633F1E157B}"/>
+                </a:ext>
+              </a:extLst>
+            </p:cNvPr>
+            <p:cNvSpPr/>
+            <p:nvPr/>
+          </p:nvSpPr>
+          <p:spPr>
+            <a:xfrm>
+              <a:off x="4211053" y="1676399"/>
+              <a:ext cx="296779" cy="352926"/>
+            </a:xfrm>
+            <a:prstGeom prst="rect">
+              <a:avLst/>
+            </a:prstGeom>
+            <a:solidFill>
+              <a:schemeClr val="bg1"/>
+            </a:solidFill>
+            <a:ln>
+              <a:solidFill>
+                <a:schemeClr val="bg1"/>
+              </a:solidFill>
+            </a:ln>
+          </p:spPr>
+          <p:style>
+            <a:lnRef idx="2">
+              <a:schemeClr val="accent1">
+                <a:shade val="50000"/>
+              </a:schemeClr>
+            </a:lnRef>
+            <a:fillRef idx="1">
+              <a:schemeClr val="accent1"/>
+            </a:fillRef>
+            <a:effectRef idx="0">
+              <a:schemeClr val="accent1"/>
+            </a:effectRef>
+            <a:fontRef idx="minor">
+              <a:schemeClr val="lt1"/>
+            </a:fontRef>
+          </p:style>
+          <p:txBody>
+            <a:bodyPr rtlCol="0" anchor="ctr"/>
+            <a:lstStyle/>
+            <a:p>
+              <a:pPr algn="ctr"/>
+              <a:endParaRPr lang="en-US"/>
+            </a:p>
+          </p:txBody>
+        </p:sp>
+        <p:sp>
+          <p:nvSpPr>
+            <p:cNvPr id="9" name="Rectangle 8">
+              <a:extLst>
+                <a:ext uri="{FF2B5EF4-FFF2-40B4-BE49-F238E27FC236}">
+                  <a16:creationId xmlns:a16="http://schemas.microsoft.com/office/drawing/2014/main" id="{1CD4F917-1FF8-483D-BFEF-065783C7695A}"/>
+                </a:ext>
+              </a:extLst>
+            </p:cNvPr>
+            <p:cNvSpPr/>
+            <p:nvPr/>
+          </p:nvSpPr>
+          <p:spPr>
+            <a:xfrm>
+              <a:off x="8446045" y="1700463"/>
+              <a:ext cx="296779" cy="352926"/>
+            </a:xfrm>
+            <a:prstGeom prst="rect">
+              <a:avLst/>
+            </a:prstGeom>
+            <a:solidFill>
+              <a:schemeClr val="bg1"/>
+            </a:solidFill>
+            <a:ln>
+              <a:solidFill>
+                <a:schemeClr val="bg1"/>
+              </a:solidFill>
+            </a:ln>
+          </p:spPr>
+          <p:style>
+            <a:lnRef idx="2">
+              <a:schemeClr val="accent1">
+                <a:shade val="50000"/>
+              </a:schemeClr>
+            </a:lnRef>
+            <a:fillRef idx="1">
+              <a:schemeClr val="accent1"/>
+            </a:fillRef>
+            <a:effectRef idx="0">
+              <a:schemeClr val="accent1"/>
+            </a:effectRef>
+            <a:fontRef idx="minor">
+              <a:schemeClr val="lt1"/>
+            </a:fontRef>
+          </p:style>
+          <p:txBody>
+            <a:bodyPr rtlCol="0" anchor="ctr"/>
+            <a:lstStyle/>
+            <a:p>
+              <a:pPr algn="ctr"/>
+              <a:endParaRPr lang="en-US"/>
+            </a:p>
+          </p:txBody>
+        </p:sp>
+        <p:sp>
+          <p:nvSpPr>
+            <p:cNvPr id="10" name="TextBox 9">
+              <a:extLst>
+                <a:ext uri="{FF2B5EF4-FFF2-40B4-BE49-F238E27FC236}">
+                  <a16:creationId xmlns:a16="http://schemas.microsoft.com/office/drawing/2014/main" id="{638D388D-F7E5-4368-9AC6-7BBB661F42AE}"/>
+                </a:ext>
+              </a:extLst>
+            </p:cNvPr>
+            <p:cNvSpPr txBox="1"/>
+            <p:nvPr/>
+          </p:nvSpPr>
+          <p:spPr>
+            <a:xfrm>
+              <a:off x="697832" y="1876926"/>
+              <a:ext cx="352982" cy="369332"/>
+            </a:xfrm>
+            <a:prstGeom prst="rect">
+              <a:avLst/>
+            </a:prstGeom>
+            <a:noFill/>
+          </p:spPr>
+          <p:txBody>
+            <a:bodyPr wrap="none" rtlCol="0">
+              <a:spAutoFit/>
+            </a:bodyPr>
+            <a:lstStyle/>
+            <a:p>
+              <a:r>
+                <a:rPr lang="en-US" dirty="0"/>
+                <a:t>a.</a:t>
+              </a:r>
+            </a:p>
+          </p:txBody>
+        </p:sp>
+        <p:sp>
+          <p:nvSpPr>
+            <p:cNvPr id="11" name="TextBox 10">
+              <a:extLst>
+                <a:ext uri="{FF2B5EF4-FFF2-40B4-BE49-F238E27FC236}">
+                  <a16:creationId xmlns:a16="http://schemas.microsoft.com/office/drawing/2014/main" id="{7A8FD4E7-0A09-4E5B-8FBC-01E74A950BBA}"/>
+                </a:ext>
+              </a:extLst>
+            </p:cNvPr>
+            <p:cNvSpPr txBox="1"/>
+            <p:nvPr/>
+          </p:nvSpPr>
+          <p:spPr>
+            <a:xfrm>
+              <a:off x="4571938" y="1876926"/>
+              <a:ext cx="364202" cy="369332"/>
+            </a:xfrm>
+            <a:prstGeom prst="rect">
+              <a:avLst/>
+            </a:prstGeom>
+            <a:noFill/>
+          </p:spPr>
+          <p:txBody>
+            <a:bodyPr wrap="none" rtlCol="0">
+              <a:spAutoFit/>
+            </a:bodyPr>
+            <a:lstStyle/>
+            <a:p>
+              <a:r>
+                <a:rPr lang="en-US" dirty="0"/>
+                <a:t>b.</a:t>
+              </a:r>
+            </a:p>
+          </p:txBody>
+        </p:sp>
+        <p:sp>
+          <p:nvSpPr>
+            <p:cNvPr id="12" name="TextBox 11">
+              <a:extLst>
+                <a:ext uri="{FF2B5EF4-FFF2-40B4-BE49-F238E27FC236}">
+                  <a16:creationId xmlns:a16="http://schemas.microsoft.com/office/drawing/2014/main" id="{7EA7BBB4-E72A-4346-A2D6-E2AB003B4C36}"/>
+                </a:ext>
+              </a:extLst>
+            </p:cNvPr>
+            <p:cNvSpPr txBox="1"/>
+            <p:nvPr/>
+          </p:nvSpPr>
+          <p:spPr>
+            <a:xfrm>
+              <a:off x="8742824" y="1876926"/>
+              <a:ext cx="340158" cy="369332"/>
+            </a:xfrm>
+            <a:prstGeom prst="rect">
+              <a:avLst/>
+            </a:prstGeom>
+            <a:noFill/>
+          </p:spPr>
+          <p:txBody>
+            <a:bodyPr wrap="none" rtlCol="0">
+              <a:spAutoFit/>
+            </a:bodyPr>
+            <a:lstStyle/>
+            <a:p>
+              <a:r>
+                <a:rPr lang="en-US" dirty="0"/>
+                <a:t>c.</a:t>
+              </a:r>
+            </a:p>
+          </p:txBody>
+        </p:sp>
+      </p:grpSp>
+    </p:spTree>
+    <p:extLst>
+      <p:ext uri="{BB962C8B-B14F-4D97-AF65-F5344CB8AC3E}">
+        <p14:creationId xmlns:p14="http://schemas.microsoft.com/office/powerpoint/2010/main" val="4068699104"/>
       </p:ext>
     </p:extLst>
   </p:cSld>
